--- a/Progetto1.0/CommuniTEDx_1.0.pptx
+++ b/Progetto1.0/CommuniTEDx_1.0.pptx
@@ -27277,7 +27277,7 @@
             </a:pPr>
             <a:r>
               <a:rPr lang="en" dirty="0"/>
-              <a:t>La parola d’ordine è imparare guardando!</a:t>
+              <a:t>Permette un accrescimento delle conoscenze senza tralasciare l’aspetto divertimento !</a:t>
             </a:r>
           </a:p>
         </p:txBody>
@@ -30637,7 +30637,7 @@
             </a:pPr>
             <a:r>
               <a:rPr lang="en" dirty="0"/>
-              <a:t>Funzioni principali</a:t>
+              <a:t>Funzioni principali e criticità</a:t>
             </a:r>
             <a:endParaRPr dirty="0"/>
           </a:p>
@@ -31875,7 +31875,7 @@
             </a:r>
             <a:r>
               <a:rPr lang="it-IT" i="1" dirty="0"/>
-              <a:t>tool </a:t>
+              <a:t>tools </a:t>
             </a:r>
             <a:r>
               <a:rPr lang="it-IT" dirty="0"/>
